--- a/docs/diagrams/ListFilesCommandSequenceDiagram.pptx
+++ b/docs/diagrams/ListFilesCommandSequenceDiagram.pptx
@@ -260,7 +260,7 @@
           <a:p>
             <a:fld id="{A995DD06-FA5B-3C4A-9EC2-FFA80E37B40D}" type="datetimeFigureOut">
               <a:rPr lang="en-US" smtClean="0"/>
-              <a:t>4/1/2019</a:t>
+              <a:t>4/14/2019</a:t>
             </a:fld>
             <a:endParaRPr lang="en-US"/>
           </a:p>
@@ -458,7 +458,7 @@
           <a:p>
             <a:fld id="{A995DD06-FA5B-3C4A-9EC2-FFA80E37B40D}" type="datetimeFigureOut">
               <a:rPr lang="en-US" smtClean="0"/>
-              <a:t>4/1/2019</a:t>
+              <a:t>4/14/2019</a:t>
             </a:fld>
             <a:endParaRPr lang="en-US"/>
           </a:p>
@@ -666,7 +666,7 @@
           <a:p>
             <a:fld id="{A995DD06-FA5B-3C4A-9EC2-FFA80E37B40D}" type="datetimeFigureOut">
               <a:rPr lang="en-US" smtClean="0"/>
-              <a:t>4/1/2019</a:t>
+              <a:t>4/14/2019</a:t>
             </a:fld>
             <a:endParaRPr lang="en-US"/>
           </a:p>
@@ -864,7 +864,7 @@
           <a:p>
             <a:fld id="{A995DD06-FA5B-3C4A-9EC2-FFA80E37B40D}" type="datetimeFigureOut">
               <a:rPr lang="en-US" smtClean="0"/>
-              <a:t>4/1/2019</a:t>
+              <a:t>4/14/2019</a:t>
             </a:fld>
             <a:endParaRPr lang="en-US"/>
           </a:p>
@@ -1139,7 +1139,7 @@
           <a:p>
             <a:fld id="{A995DD06-FA5B-3C4A-9EC2-FFA80E37B40D}" type="datetimeFigureOut">
               <a:rPr lang="en-US" smtClean="0"/>
-              <a:t>4/1/2019</a:t>
+              <a:t>4/14/2019</a:t>
             </a:fld>
             <a:endParaRPr lang="en-US"/>
           </a:p>
@@ -1404,7 +1404,7 @@
           <a:p>
             <a:fld id="{A995DD06-FA5B-3C4A-9EC2-FFA80E37B40D}" type="datetimeFigureOut">
               <a:rPr lang="en-US" smtClean="0"/>
-              <a:t>4/1/2019</a:t>
+              <a:t>4/14/2019</a:t>
             </a:fld>
             <a:endParaRPr lang="en-US"/>
           </a:p>
@@ -1816,7 +1816,7 @@
           <a:p>
             <a:fld id="{A995DD06-FA5B-3C4A-9EC2-FFA80E37B40D}" type="datetimeFigureOut">
               <a:rPr lang="en-US" smtClean="0"/>
-              <a:t>4/1/2019</a:t>
+              <a:t>4/14/2019</a:t>
             </a:fld>
             <a:endParaRPr lang="en-US"/>
           </a:p>
@@ -1957,7 +1957,7 @@
           <a:p>
             <a:fld id="{A995DD06-FA5B-3C4A-9EC2-FFA80E37B40D}" type="datetimeFigureOut">
               <a:rPr lang="en-US" smtClean="0"/>
-              <a:t>4/1/2019</a:t>
+              <a:t>4/14/2019</a:t>
             </a:fld>
             <a:endParaRPr lang="en-US"/>
           </a:p>
@@ -2070,7 +2070,7 @@
           <a:p>
             <a:fld id="{A995DD06-FA5B-3C4A-9EC2-FFA80E37B40D}" type="datetimeFigureOut">
               <a:rPr lang="en-US" smtClean="0"/>
-              <a:t>4/1/2019</a:t>
+              <a:t>4/14/2019</a:t>
             </a:fld>
             <a:endParaRPr lang="en-US"/>
           </a:p>
@@ -2381,7 +2381,7 @@
           <a:p>
             <a:fld id="{A995DD06-FA5B-3C4A-9EC2-FFA80E37B40D}" type="datetimeFigureOut">
               <a:rPr lang="en-US" smtClean="0"/>
-              <a:t>4/1/2019</a:t>
+              <a:t>4/14/2019</a:t>
             </a:fld>
             <a:endParaRPr lang="en-US"/>
           </a:p>
@@ -2669,7 +2669,7 @@
           <a:p>
             <a:fld id="{A995DD06-FA5B-3C4A-9EC2-FFA80E37B40D}" type="datetimeFigureOut">
               <a:rPr lang="en-US" smtClean="0"/>
-              <a:t>4/1/2019</a:t>
+              <a:t>4/14/2019</a:t>
             </a:fld>
             <a:endParaRPr lang="en-US"/>
           </a:p>
@@ -2910,7 +2910,7 @@
           <a:p>
             <a:fld id="{A995DD06-FA5B-3C4A-9EC2-FFA80E37B40D}" type="datetimeFigureOut">
               <a:rPr lang="en-US" smtClean="0"/>
-              <a:t>4/1/2019</a:t>
+              <a:t>4/14/2019</a:t>
             </a:fld>
             <a:endParaRPr lang="en-US"/>
           </a:p>
@@ -3335,7 +3335,7 @@
         </p:nvSpPr>
         <p:spPr>
           <a:xfrm>
-            <a:off x="6467497" y="261241"/>
+            <a:off x="6782132" y="261241"/>
             <a:ext cx="1868751" cy="5569272"/>
           </a:xfrm>
           <a:prstGeom prst="roundRect">
@@ -3344,12 +3344,18 @@
             </a:avLst>
           </a:prstGeom>
           <a:solidFill>
-            <a:schemeClr val="bg1">
-              <a:lumMod val="75000"/>
+            <a:schemeClr val="accent4">
+              <a:lumMod val="20000"/>
+              <a:lumOff val="80000"/>
             </a:schemeClr>
           </a:solidFill>
           <a:ln w="19050">
-            <a:noFill/>
+            <a:solidFill>
+              <a:schemeClr val="accent4">
+                <a:lumMod val="20000"/>
+                <a:lumOff val="80000"/>
+              </a:schemeClr>
+            </a:solidFill>
           </a:ln>
           <a:effectLst/>
         </p:spPr>
@@ -3397,8 +3403,8 @@
         </p:nvCxnSpPr>
         <p:spPr>
           <a:xfrm>
-            <a:off x="7244412" y="2221448"/>
-            <a:ext cx="19230" cy="2968061"/>
+            <a:off x="7559036" y="2221448"/>
+            <a:ext cx="19230" cy="3884712"/>
           </a:xfrm>
           <a:prstGeom prst="line">
             <a:avLst/>
@@ -3436,23 +3442,21 @@
         </p:nvSpPr>
         <p:spPr>
           <a:xfrm>
-            <a:off x="7171718" y="2669680"/>
-            <a:ext cx="210645" cy="1103759"/>
+            <a:off x="7486342" y="2986333"/>
+            <a:ext cx="210645" cy="799298"/>
           </a:xfrm>
           <a:prstGeom prst="rect">
             <a:avLst/>
           </a:prstGeom>
           <a:solidFill>
             <a:schemeClr val="accent2">
-              <a:lumMod val="40000"/>
-              <a:lumOff val="60000"/>
+              <a:lumMod val="75000"/>
             </a:schemeClr>
           </a:solidFill>
           <a:ln>
             <a:solidFill>
               <a:schemeClr val="accent2">
-                <a:lumMod val="40000"/>
-                <a:lumOff val="60000"/>
+                <a:lumMod val="75000"/>
               </a:schemeClr>
             </a:solidFill>
           </a:ln>
@@ -3479,9 +3483,7 @@
             <a:pPr algn="ctr"/>
             <a:endParaRPr lang="en-SG" sz="1400">
               <a:solidFill>
-                <a:schemeClr val="accent2">
-                  <a:lumMod val="75000"/>
-                </a:schemeClr>
+                <a:schemeClr val="tx1"/>
               </a:solidFill>
             </a:endParaRPr>
           </a:p>
@@ -3496,7 +3498,7 @@
         <p:spPr>
           <a:xfrm>
             <a:off x="331180" y="261241"/>
-            <a:ext cx="6140811" cy="5569272"/>
+            <a:ext cx="6471934" cy="5569272"/>
           </a:xfrm>
           <a:prstGeom prst="roundRect">
             <a:avLst>
@@ -3535,14 +3537,14 @@
             <a:r>
               <a:rPr lang="en-US" sz="1200" b="1" dirty="0">
                 <a:solidFill>
-                  <a:srgbClr val="0070C0"/>
+                  <a:schemeClr val="tx1"/>
                 </a:solidFill>
               </a:rPr>
               <a:t>Logic</a:t>
             </a:r>
             <a:endParaRPr lang="en-SG" sz="1200" b="1" dirty="0">
               <a:solidFill>
-                <a:srgbClr val="0070C0"/>
+                <a:schemeClr val="tx1"/>
               </a:solidFill>
             </a:endParaRPr>
           </a:p>
@@ -3626,7 +3628,7 @@
         <p:spPr>
           <a:xfrm>
             <a:off x="1747706" y="1067927"/>
-            <a:ext cx="0" cy="4350183"/>
+            <a:ext cx="0" cy="5180473"/>
           </a:xfrm>
           <a:prstGeom prst="line">
             <a:avLst/>
@@ -3712,8 +3714,8 @@
         </p:nvCxnSpPr>
         <p:spPr>
           <a:xfrm>
-            <a:off x="5738829" y="1882115"/>
-            <a:ext cx="0" cy="3307394"/>
+            <a:off x="5827317" y="1882115"/>
+            <a:ext cx="0" cy="3528561"/>
           </a:xfrm>
           <a:prstGeom prst="line">
             <a:avLst/>
@@ -3749,7 +3751,7 @@
         </p:nvSpPr>
         <p:spPr>
           <a:xfrm>
-            <a:off x="5662629" y="1771481"/>
+            <a:off x="5748757" y="1794881"/>
             <a:ext cx="152400" cy="276003"/>
           </a:xfrm>
           <a:prstGeom prst="rect">
@@ -3835,7 +3837,7 @@
         <p:spPr>
           <a:xfrm>
             <a:off x="429129" y="1418619"/>
-            <a:ext cx="1179128" cy="430887"/>
+            <a:ext cx="1179128" cy="215444"/>
           </a:xfrm>
           <a:prstGeom prst="rect">
             <a:avLst/>
@@ -3847,17 +3849,6 @@
             <a:spAutoFit/>
           </a:bodyPr>
           <a:lstStyle/>
-          <a:p>
-            <a:pPr algn="ctr"/>
-            <a:r>
-              <a:rPr lang="en-US" sz="1400" dirty="0">
-                <a:solidFill>
-                  <a:srgbClr val="0070C0"/>
-                </a:solidFill>
-              </a:rPr>
-              <a:t>execute</a:t>
-            </a:r>
-          </a:p>
           <a:p>
             <a:pPr algn="ctr"/>
             <a:r>
@@ -3866,7 +3857,7 @@
                   <a:srgbClr val="0070C0"/>
                 </a:solidFill>
               </a:rPr>
-              <a:t>(“listfiles”)</a:t>
+              <a:t>execute(String)</a:t>
             </a:r>
             <a:endParaRPr lang="en-US" sz="1400" dirty="0">
               <a:solidFill>
@@ -3922,7 +3913,7 @@
         </p:nvSpPr>
         <p:spPr>
           <a:xfrm>
-            <a:off x="3093675" y="2370366"/>
+            <a:off x="3093675" y="2344966"/>
             <a:ext cx="855809" cy="215444"/>
           </a:xfrm>
           <a:prstGeom prst="rect">
@@ -3963,9 +3954,9 @@
           <p:nvPr/>
         </p:nvCxnSpPr>
         <p:spPr>
-          <a:xfrm>
-            <a:off x="1828098" y="2024624"/>
-            <a:ext cx="3877646" cy="17467"/>
+          <a:xfrm flipV="1">
+            <a:off x="1828099" y="2067491"/>
+            <a:ext cx="3928445" cy="9489"/>
           </a:xfrm>
           <a:prstGeom prst="straightConnector1">
             <a:avLst/>
@@ -4042,7 +4033,7 @@
         </p:nvSpPr>
         <p:spPr>
           <a:xfrm>
-            <a:off x="5663235" y="2562368"/>
+            <a:off x="5749363" y="2573576"/>
             <a:ext cx="159081" cy="2507745"/>
           </a:xfrm>
           <a:prstGeom prst="rect">
@@ -4089,7 +4080,7 @@
         </p:nvSpPr>
         <p:spPr>
           <a:xfrm>
-            <a:off x="5550057" y="2480283"/>
+            <a:off x="5769513" y="2770859"/>
             <a:ext cx="1423782" cy="184666"/>
           </a:xfrm>
           <a:prstGeom prst="rect">
@@ -4222,7 +4213,7 @@
         </p:nvSpPr>
         <p:spPr>
           <a:xfrm>
-            <a:off x="2228439" y="2026218"/>
+            <a:off x="2852273" y="1840966"/>
             <a:ext cx="1569928" cy="215444"/>
           </a:xfrm>
           <a:prstGeom prst="rect">
@@ -4264,7 +4255,7 @@
         </p:nvSpPr>
         <p:spPr>
           <a:xfrm>
-            <a:off x="6664902" y="1827392"/>
+            <a:off x="6979526" y="1827392"/>
             <a:ext cx="1388493" cy="394056"/>
           </a:xfrm>
           <a:prstGeom prst="rect">
@@ -4272,15 +4263,13 @@
           </a:prstGeom>
           <a:solidFill>
             <a:schemeClr val="accent2">
-              <a:lumMod val="40000"/>
-              <a:lumOff val="60000"/>
+              <a:lumMod val="75000"/>
             </a:schemeClr>
           </a:solidFill>
           <a:ln w="19050">
             <a:solidFill>
               <a:schemeClr val="accent2">
-                <a:lumMod val="40000"/>
-                <a:lumOff val="60000"/>
+                <a:lumMod val="75000"/>
               </a:schemeClr>
             </a:solidFill>
           </a:ln>
@@ -4308,18 +4297,14 @@
             <a:r>
               <a:rPr lang="en-US" sz="1600">
                 <a:solidFill>
-                  <a:schemeClr val="accent2">
-                    <a:lumMod val="75000"/>
-                  </a:schemeClr>
+                  <a:schemeClr val="bg1"/>
                 </a:solidFill>
               </a:rPr>
               <a:t>:Album</a:t>
             </a:r>
             <a:endParaRPr lang="en-SG" sz="1600" dirty="0">
               <a:solidFill>
-                <a:schemeClr val="accent2">
-                  <a:lumMod val="75000"/>
-                </a:schemeClr>
+                <a:schemeClr val="bg1"/>
               </a:solidFill>
             </a:endParaRPr>
           </a:p>
@@ -4335,8 +4320,8 @@
         </p:nvCxnSpPr>
         <p:spPr>
           <a:xfrm>
-            <a:off x="5847510" y="2675437"/>
-            <a:ext cx="1357607" cy="0"/>
+            <a:off x="5823126" y="2986333"/>
+            <a:ext cx="1673895" cy="0"/>
           </a:xfrm>
           <a:prstGeom prst="straightConnector1">
             <a:avLst/>
@@ -4371,7 +4356,7 @@
         </p:nvSpPr>
         <p:spPr>
           <a:xfrm>
-            <a:off x="5609627" y="5189509"/>
+            <a:off x="5698115" y="5410676"/>
             <a:ext cx="258404" cy="261610"/>
           </a:xfrm>
           <a:prstGeom prst="rect">
@@ -4405,7 +4390,7 @@
         <p:spPr>
           <a:xfrm>
             <a:off x="5172723" y="1420577"/>
-            <a:ext cx="1299268" cy="461538"/>
+            <a:ext cx="1389568" cy="461538"/>
           </a:xfrm>
           <a:prstGeom prst="rect">
             <a:avLst/>
@@ -4445,22 +4430,7 @@
                   <a:schemeClr val="bg1"/>
                 </a:solidFill>
               </a:rPr>
-              <a:t>listfiles: ListFiles</a:t>
-            </a:r>
-            <a:br>
-              <a:rPr lang="en-US" sz="1200" dirty="0">
-                <a:solidFill>
-                  <a:schemeClr val="bg1"/>
-                </a:solidFill>
-              </a:rPr>
-            </a:br>
-            <a:r>
-              <a:rPr lang="en-US" sz="1200" dirty="0">
-                <a:solidFill>
-                  <a:schemeClr val="bg1"/>
-                </a:solidFill>
-              </a:rPr>
-              <a:t>Command</a:t>
+              <a:t>:ListFilesCommand</a:t>
             </a:r>
             <a:endParaRPr lang="en-SG" sz="1200" dirty="0">
               <a:solidFill>
@@ -4486,8 +4456,8 @@
         </p:nvCxnSpPr>
         <p:spPr>
           <a:xfrm>
-            <a:off x="1850274" y="2580466"/>
-            <a:ext cx="3832164" cy="1"/>
+            <a:off x="1828098" y="2572616"/>
+            <a:ext cx="3911490" cy="7851"/>
           </a:xfrm>
           <a:prstGeom prst="straightConnector1">
             <a:avLst/>
@@ -4575,9 +4545,9 @@
           <p:nvPr/>
         </p:nvCxnSpPr>
         <p:spPr>
-          <a:xfrm flipV="1">
-            <a:off x="5835934" y="3773439"/>
-            <a:ext cx="1335785" cy="6888"/>
+          <a:xfrm>
+            <a:off x="5908041" y="3779535"/>
+            <a:ext cx="1578301" cy="0"/>
           </a:xfrm>
           <a:prstGeom prst="straightConnector1">
             <a:avLst/>
@@ -4608,47 +4578,6 @@
           </a:fontRef>
         </p:style>
       </p:cxnSp>
-      <p:sp>
-        <p:nvSpPr>
-          <p:cNvPr id="78" name="TextBox 77">
-            <a:extLst>
-              <a:ext uri="{FF2B5EF4-FFF2-40B4-BE49-F238E27FC236}">
-                <a16:creationId xmlns:a16="http://schemas.microsoft.com/office/drawing/2014/main" id="{0772AC28-6CCA-D043-ABB2-97A18FBB6317}"/>
-              </a:ext>
-            </a:extLst>
-          </p:cNvPr>
-          <p:cNvSpPr txBox="1"/>
-          <p:nvPr/>
-        </p:nvSpPr>
-        <p:spPr>
-          <a:xfrm>
-            <a:off x="7123960" y="5189509"/>
-            <a:ext cx="258404" cy="261610"/>
-          </a:xfrm>
-          <a:prstGeom prst="rect">
-            <a:avLst/>
-          </a:prstGeom>
-          <a:noFill/>
-        </p:spPr>
-        <p:txBody>
-          <a:bodyPr wrap="square" rtlCol="0">
-            <a:spAutoFit/>
-          </a:bodyPr>
-          <a:lstStyle/>
-          <a:p>
-            <a:r>
-              <a:rPr lang="en-SG" sz="1100" dirty="0">
-                <a:solidFill>
-                  <a:schemeClr val="accent2">
-                    <a:lumMod val="75000"/>
-                  </a:schemeClr>
-                </a:solidFill>
-              </a:rPr>
-              <a:t>X</a:t>
-            </a:r>
-          </a:p>
-        </p:txBody>
-      </p:sp>
     </p:spTree>
     <p:extLst>
       <p:ext uri="{BB962C8B-B14F-4D97-AF65-F5344CB8AC3E}">
